--- a/2. 1학년2학기/2. 산업빅데이터 분석 실제/과제/기말_과제_발표자료.pptx
+++ b/2. 1학년2학기/2. 산업빅데이터 분석 실제/과제/기말_과제_발표자료.pptx
@@ -271,7 +271,7 @@
           <a:p>
             <a:fld id="{C34DC0BB-B090-4A36-A5CC-2CCBAC9C024E}" type="datetimeFigureOut">
               <a:rPr lang="ko-KR" altLang="en-US" smtClean="0"/>
-              <a:t>2023-12-07</a:t>
+              <a:t>2023-12-11</a:t>
             </a:fld>
             <a:endParaRPr lang="ko-KR" altLang="en-US"/>
           </a:p>
@@ -669,7 +669,7 @@
           <a:p>
             <a:fld id="{9029ADFA-311C-4F21-BAA1-C349E0E6445A}" type="datetime1">
               <a:rPr lang="ko-KR" altLang="en-US" smtClean="0"/>
-              <a:t>2023-12-07</a:t>
+              <a:t>2023-12-11</a:t>
             </a:fld>
             <a:endParaRPr lang="ko-KR" altLang="en-US"/>
           </a:p>
@@ -839,7 +839,7 @@
           <a:p>
             <a:fld id="{8BE01F39-FC0E-4386-B33A-80F6F80F931D}" type="datetime1">
               <a:rPr lang="ko-KR" altLang="en-US" smtClean="0"/>
-              <a:t>2023-12-07</a:t>
+              <a:t>2023-12-11</a:t>
             </a:fld>
             <a:endParaRPr lang="ko-KR" altLang="en-US"/>
           </a:p>
@@ -1019,7 +1019,7 @@
           <a:p>
             <a:fld id="{56138008-713F-488F-A899-8759D8EBEBFE}" type="datetime1">
               <a:rPr lang="ko-KR" altLang="en-US" smtClean="0"/>
-              <a:t>2023-12-07</a:t>
+              <a:t>2023-12-11</a:t>
             </a:fld>
             <a:endParaRPr lang="ko-KR" altLang="en-US"/>
           </a:p>
@@ -1189,7 +1189,7 @@
           <a:p>
             <a:fld id="{A8A8C50A-95F1-40B7-8F7C-C19190012652}" type="datetime1">
               <a:rPr lang="ko-KR" altLang="en-US" smtClean="0"/>
-              <a:t>2023-12-07</a:t>
+              <a:t>2023-12-11</a:t>
             </a:fld>
             <a:endParaRPr lang="ko-KR" altLang="en-US"/>
           </a:p>
@@ -1433,7 +1433,7 @@
           <a:p>
             <a:fld id="{09891F2E-22A8-4E0B-BD42-FEA495C95E33}" type="datetime1">
               <a:rPr lang="ko-KR" altLang="en-US" smtClean="0"/>
-              <a:t>2023-12-07</a:t>
+              <a:t>2023-12-11</a:t>
             </a:fld>
             <a:endParaRPr lang="ko-KR" altLang="en-US"/>
           </a:p>
@@ -1665,7 +1665,7 @@
           <a:p>
             <a:fld id="{639F92B3-92DE-4E79-8442-C0D5545F7C15}" type="datetime1">
               <a:rPr lang="ko-KR" altLang="en-US" smtClean="0"/>
-              <a:t>2023-12-07</a:t>
+              <a:t>2023-12-11</a:t>
             </a:fld>
             <a:endParaRPr lang="ko-KR" altLang="en-US"/>
           </a:p>
@@ -2032,7 +2032,7 @@
           <a:p>
             <a:fld id="{E1BCF330-4C10-4688-A057-A10240F9D31F}" type="datetime1">
               <a:rPr lang="ko-KR" altLang="en-US" smtClean="0"/>
-              <a:t>2023-12-07</a:t>
+              <a:t>2023-12-11</a:t>
             </a:fld>
             <a:endParaRPr lang="ko-KR" altLang="en-US"/>
           </a:p>
@@ -2150,7 +2150,7 @@
           <a:p>
             <a:fld id="{60D14964-6F93-4845-801E-57DA6BDADC64}" type="datetime1">
               <a:rPr lang="ko-KR" altLang="en-US" smtClean="0"/>
-              <a:t>2023-12-07</a:t>
+              <a:t>2023-12-11</a:t>
             </a:fld>
             <a:endParaRPr lang="ko-KR" altLang="en-US"/>
           </a:p>
@@ -2663,7 +2663,7 @@
           <a:p>
             <a:fld id="{8E6609AC-0243-4B36-8DF7-E69BCA33814F}" type="datetime1">
               <a:rPr lang="ko-KR" altLang="en-US" smtClean="0"/>
-              <a:t>2023-12-07</a:t>
+              <a:t>2023-12-11</a:t>
             </a:fld>
             <a:endParaRPr lang="ko-KR" altLang="en-US"/>
           </a:p>
@@ -2920,7 +2920,7 @@
           <a:p>
             <a:fld id="{6B850972-44D2-4326-8F48-4DD4DAF4ECDC}" type="datetime1">
               <a:rPr lang="ko-KR" altLang="en-US" smtClean="0"/>
-              <a:t>2023-12-07</a:t>
+              <a:t>2023-12-11</a:t>
             </a:fld>
             <a:endParaRPr lang="ko-KR" altLang="en-US"/>
           </a:p>
@@ -3133,7 +3133,7 @@
           <a:p>
             <a:fld id="{7A19DA61-ECCB-4933-873B-F04AFC36C907}" type="datetime1">
               <a:rPr lang="ko-KR" altLang="en-US" smtClean="0"/>
-              <a:t>2023-12-07</a:t>
+              <a:t>2023-12-11</a:t>
             </a:fld>
             <a:endParaRPr lang="ko-KR" altLang="en-US"/>
           </a:p>
@@ -3751,7 +3751,7 @@
           <a:p>
             <a:fld id="{B3B03EF0-BBF7-4C13-845A-1D4A8CFF7389}" type="datetime1">
               <a:rPr lang="ko-KR" altLang="en-US" smtClean="0"/>
-              <a:t>2023-12-07</a:t>
+              <a:t>2023-12-11</a:t>
             </a:fld>
             <a:endParaRPr lang="ko-KR" altLang="en-US"/>
           </a:p>
@@ -4101,7 +4101,7 @@
           <a:p>
             <a:fld id="{3AA1C942-5D39-49F0-A4ED-DCAE2DD0F0D1}" type="datetime1">
               <a:rPr lang="ko-KR" altLang="en-US" smtClean="0"/>
-              <a:t>2023-12-07</a:t>
+              <a:t>2023-12-11</a:t>
             </a:fld>
             <a:endParaRPr lang="ko-KR" altLang="en-US"/>
           </a:p>
@@ -5033,7 +5033,7 @@
           <a:p>
             <a:fld id="{3AA1C942-5D39-49F0-A4ED-DCAE2DD0F0D1}" type="datetime1">
               <a:rPr lang="ko-KR" altLang="en-US" smtClean="0"/>
-              <a:t>2023-12-07</a:t>
+              <a:t>2023-12-11</a:t>
             </a:fld>
             <a:endParaRPr lang="ko-KR" altLang="en-US"/>
           </a:p>
@@ -6253,7 +6253,7 @@
           <a:p>
             <a:fld id="{3AA1C942-5D39-49F0-A4ED-DCAE2DD0F0D1}" type="datetime1">
               <a:rPr lang="ko-KR" altLang="en-US" smtClean="0"/>
-              <a:t>2023-12-07</a:t>
+              <a:t>2023-12-11</a:t>
             </a:fld>
             <a:endParaRPr lang="ko-KR" altLang="en-US"/>
           </a:p>
@@ -7012,7 +7012,7 @@
           <a:p>
             <a:fld id="{3AA1C942-5D39-49F0-A4ED-DCAE2DD0F0D1}" type="datetime1">
               <a:rPr lang="ko-KR" altLang="en-US" smtClean="0"/>
-              <a:t>2023-12-07</a:t>
+              <a:t>2023-12-11</a:t>
             </a:fld>
             <a:endParaRPr lang="ko-KR" altLang="en-US"/>
           </a:p>
@@ -8021,7 +8021,7 @@
           <a:p>
             <a:fld id="{3AA1C942-5D39-49F0-A4ED-DCAE2DD0F0D1}" type="datetime1">
               <a:rPr lang="ko-KR" altLang="en-US" smtClean="0"/>
-              <a:t>2023-12-07</a:t>
+              <a:t>2023-12-11</a:t>
             </a:fld>
             <a:endParaRPr lang="ko-KR" altLang="en-US"/>
           </a:p>
@@ -8803,7 +8803,7 @@
           <a:p>
             <a:fld id="{3AA1C942-5D39-49F0-A4ED-DCAE2DD0F0D1}" type="datetime1">
               <a:rPr lang="ko-KR" altLang="en-US" smtClean="0"/>
-              <a:t>2023-12-07</a:t>
+              <a:t>2023-12-11</a:t>
             </a:fld>
             <a:endParaRPr lang="ko-KR" altLang="en-US"/>
           </a:p>
@@ -9632,7 +9632,7 @@
           <a:p>
             <a:fld id="{3AA1C942-5D39-49F0-A4ED-DCAE2DD0F0D1}" type="datetime1">
               <a:rPr lang="ko-KR" altLang="en-US" smtClean="0"/>
-              <a:t>2023-12-07</a:t>
+              <a:t>2023-12-11</a:t>
             </a:fld>
             <a:endParaRPr lang="ko-KR" altLang="en-US"/>
           </a:p>
@@ -10499,7 +10499,7 @@
           <a:p>
             <a:fld id="{3AA1C942-5D39-49F0-A4ED-DCAE2DD0F0D1}" type="datetime1">
               <a:rPr lang="ko-KR" altLang="en-US" smtClean="0"/>
-              <a:t>2023-12-07</a:t>
+              <a:t>2023-12-11</a:t>
             </a:fld>
             <a:endParaRPr lang="ko-KR" altLang="en-US"/>
           </a:p>
@@ -11624,7 +11624,7 @@
           <a:p>
             <a:fld id="{3AA1C942-5D39-49F0-A4ED-DCAE2DD0F0D1}" type="datetime1">
               <a:rPr lang="ko-KR" altLang="en-US" smtClean="0"/>
-              <a:t>2023-12-07</a:t>
+              <a:t>2023-12-11</a:t>
             </a:fld>
             <a:endParaRPr lang="ko-KR" altLang="en-US"/>
           </a:p>
@@ -12547,7 +12547,7 @@
           <a:p>
             <a:fld id="{3AA1C942-5D39-49F0-A4ED-DCAE2DD0F0D1}" type="datetime1">
               <a:rPr lang="ko-KR" altLang="en-US" smtClean="0"/>
-              <a:t>2023-12-07</a:t>
+              <a:t>2023-12-11</a:t>
             </a:fld>
             <a:endParaRPr lang="ko-KR" altLang="en-US"/>
           </a:p>
@@ -15544,7 +15544,7 @@
           <a:p>
             <a:fld id="{F3EC2F7B-1E4F-4037-A77B-4A7589128DD3}" type="datetime1">
               <a:rPr lang="ko-KR" altLang="en-US" smtClean="0"/>
-              <a:t>2023-12-07</a:t>
+              <a:t>2023-12-11</a:t>
             </a:fld>
             <a:endParaRPr lang="ko-KR" altLang="en-US" dirty="0"/>
           </a:p>
@@ -15748,7 +15748,7 @@
           <a:p>
             <a:fld id="{3AA1C942-5D39-49F0-A4ED-DCAE2DD0F0D1}" type="datetime1">
               <a:rPr lang="ko-KR" altLang="en-US" smtClean="0"/>
-              <a:t>2023-12-07</a:t>
+              <a:t>2023-12-11</a:t>
             </a:fld>
             <a:endParaRPr lang="ko-KR" altLang="en-US"/>
           </a:p>
@@ -16982,7 +16982,7 @@
           <a:p>
             <a:fld id="{3AA1C942-5D39-49F0-A4ED-DCAE2DD0F0D1}" type="datetime1">
               <a:rPr lang="ko-KR" altLang="en-US" smtClean="0"/>
-              <a:t>2023-12-07</a:t>
+              <a:t>2023-12-11</a:t>
             </a:fld>
             <a:endParaRPr lang="ko-KR" altLang="en-US"/>
           </a:p>
@@ -19377,7 +19377,7 @@
           <a:p>
             <a:fld id="{3AA1C942-5D39-49F0-A4ED-DCAE2DD0F0D1}" type="datetime1">
               <a:rPr lang="ko-KR" altLang="en-US" smtClean="0"/>
-              <a:t>2023-12-07</a:t>
+              <a:t>2023-12-11</a:t>
             </a:fld>
             <a:endParaRPr lang="ko-KR" altLang="en-US"/>
           </a:p>
@@ -19695,7 +19695,7 @@
         </p:nvSpPr>
         <p:spPr>
           <a:xfrm>
-            <a:off x="476943" y="3429715"/>
+            <a:off x="476943" y="3024787"/>
             <a:ext cx="8280724" cy="404213"/>
           </a:xfrm>
           <a:prstGeom prst="rect">
@@ -19748,7 +19748,7 @@
         <p:spPr>
           <a:xfrm>
             <a:off x="627945" y="1589619"/>
-            <a:ext cx="7616645" cy="292388"/>
+            <a:ext cx="7616645" cy="1261627"/>
           </a:xfrm>
           <a:prstGeom prst="rect">
             <a:avLst/>
@@ -19761,13 +19761,18 @@
           </a:bodyPr>
           <a:lstStyle/>
           <a:p>
+            <a:pPr>
+              <a:lnSpc>
+                <a:spcPct val="150000"/>
+              </a:lnSpc>
+            </a:pPr>
             <a:r>
               <a:rPr lang="en-US" altLang="ko-KR" sz="1300" dirty="0"/>
               <a:t>- </a:t>
             </a:r>
             <a:r>
               <a:rPr lang="ko-KR" altLang="en-US" sz="1300" dirty="0"/>
-              <a:t>머신 러닝의 모델에 비해</a:t>
+              <a:t>머신 러닝 모델을 적용한 경우</a:t>
             </a:r>
             <a:r>
               <a:rPr lang="en-US" altLang="ko-KR" sz="1300" dirty="0"/>
@@ -19775,13 +19780,284 @@
             </a:r>
             <a:r>
               <a:rPr lang="ko-KR" altLang="en-US" sz="1300" dirty="0"/>
-              <a:t>딥러닝 모델 적용 시 </a:t>
+              <a:t>불량을 거의 검출해내지 못하는 결과를 보임</a:t>
+            </a:r>
+            <a:endParaRPr lang="en-US" altLang="ko-KR" sz="1300" dirty="0"/>
+          </a:p>
+          <a:p>
+            <a:pPr>
+              <a:lnSpc>
+                <a:spcPct val="150000"/>
+              </a:lnSpc>
+            </a:pPr>
+            <a:r>
+              <a:rPr lang="en-US" altLang="ko-KR" sz="1300" dirty="0"/>
+              <a:t>- </a:t>
+            </a:r>
+            <a:r>
+              <a:rPr lang="ko-KR" altLang="en-US" sz="1300" dirty="0"/>
+              <a:t>양품 데이터가 불량 데이터에 비해 부족하기 때문으로 보이며</a:t>
+            </a:r>
+            <a:r>
+              <a:rPr lang="en-US" altLang="ko-KR" sz="1300" dirty="0"/>
+              <a:t>, </a:t>
+            </a:r>
+            <a:r>
+              <a:rPr lang="ko-KR" altLang="en-US" sz="1300" dirty="0"/>
+              <a:t>시계열 데이터의 특성도 고려해야 할 것으로 판단</a:t>
+            </a:r>
+            <a:endParaRPr lang="en-US" altLang="ko-KR" sz="1300" dirty="0"/>
+          </a:p>
+          <a:p>
+            <a:pPr>
+              <a:lnSpc>
+                <a:spcPct val="150000"/>
+              </a:lnSpc>
+            </a:pPr>
+            <a:r>
+              <a:rPr lang="en-US" altLang="ko-KR" sz="1300" dirty="0"/>
+              <a:t>- </a:t>
+            </a:r>
+            <a:r>
+              <a:rPr lang="ko-KR" altLang="en-US" sz="1300" dirty="0"/>
+              <a:t>상기의 문제들을 반영하여 </a:t>
+            </a:r>
+            <a:r>
+              <a:rPr lang="en-US" altLang="ko-KR" sz="1300" dirty="0"/>
+              <a:t>LSTM-AE</a:t>
+            </a:r>
+            <a:r>
+              <a:rPr lang="ko-KR" altLang="en-US" sz="1300" dirty="0"/>
+              <a:t>로 딥러닝 분석 모델을 구축하였고</a:t>
+            </a:r>
+            <a:r>
+              <a:rPr lang="en-US" altLang="ko-KR" sz="1300" dirty="0"/>
+              <a:t>, </a:t>
+            </a:r>
+            <a:r>
+              <a:rPr lang="ko-KR" altLang="en-US" sz="1300" dirty="0"/>
+              <a:t>더 나은 성능을 확인</a:t>
+            </a:r>
+          </a:p>
+        </p:txBody>
+      </p:sp>
+      <p:sp>
+        <p:nvSpPr>
+          <p:cNvPr id="10" name="TextBox 9">
+            <a:extLst>
+              <a:ext uri="{FF2B5EF4-FFF2-40B4-BE49-F238E27FC236}">
+                <a16:creationId xmlns:a16="http://schemas.microsoft.com/office/drawing/2014/main" id="{E4815F5E-0EDF-63BF-FD75-EFD1C4B7137F}"/>
+              </a:ext>
+            </a:extLst>
+          </p:cNvPr>
+          <p:cNvSpPr txBox="1"/>
+          <p:nvPr/>
+        </p:nvSpPr>
+        <p:spPr>
+          <a:xfrm>
+            <a:off x="627944" y="3429000"/>
+            <a:ext cx="7616645" cy="2160271"/>
+          </a:xfrm>
+          <a:prstGeom prst="rect">
+            <a:avLst/>
+          </a:prstGeom>
+          <a:noFill/>
+        </p:spPr>
+        <p:txBody>
+          <a:bodyPr wrap="square" rtlCol="0">
+            <a:spAutoFit/>
+          </a:bodyPr>
+          <a:lstStyle/>
+          <a:p>
+            <a:pPr>
+              <a:lnSpc>
+                <a:spcPct val="150000"/>
+              </a:lnSpc>
+            </a:pPr>
+            <a:r>
+              <a:rPr lang="en-US" altLang="ko-KR" sz="1300" dirty="0"/>
+              <a:t>- </a:t>
+            </a:r>
+            <a:r>
+              <a:rPr lang="ko-KR" altLang="en-US" sz="1300" dirty="0"/>
+              <a:t>그럼에도 불구하고</a:t>
+            </a:r>
+            <a:r>
+              <a:rPr lang="en-US" altLang="ko-KR" sz="1300" dirty="0"/>
+              <a:t>, </a:t>
+            </a:r>
+            <a:r>
+              <a:rPr lang="ko-KR" altLang="en-US" sz="1300" dirty="0"/>
+              <a:t>아직 성능 개선이 필요한 상태임</a:t>
+            </a:r>
+            <a:endParaRPr lang="en-US" altLang="ko-KR" sz="1300" dirty="0"/>
+          </a:p>
+          <a:p>
+            <a:pPr>
+              <a:lnSpc>
+                <a:spcPct val="150000"/>
+              </a:lnSpc>
+            </a:pPr>
+            <a:r>
+              <a:rPr lang="en-US" altLang="ko-KR" sz="1300" dirty="0"/>
+              <a:t>- </a:t>
+            </a:r>
+            <a:r>
+              <a:rPr lang="ko-KR" altLang="en-US" sz="1300" dirty="0"/>
+              <a:t>특히</a:t>
+            </a:r>
+            <a:r>
+              <a:rPr lang="en-US" altLang="ko-KR" sz="1300" dirty="0"/>
+              <a:t>, </a:t>
+            </a:r>
+            <a:r>
+              <a:rPr lang="ko-KR" altLang="en-US" sz="1300" dirty="0"/>
+              <a:t>불량을 양품으로 판단하는 </a:t>
+            </a:r>
+            <a:r>
+              <a:rPr lang="en-US" altLang="ko-KR" sz="1300" dirty="0"/>
+              <a:t>FN(False</a:t>
+            </a:r>
+            <a:r>
+              <a:rPr lang="ko-KR" altLang="en-US" sz="1300" dirty="0"/>
+              <a:t> </a:t>
+            </a:r>
+            <a:r>
+              <a:rPr lang="en-US" altLang="ko-KR" sz="1300" dirty="0"/>
+              <a:t>Negative)</a:t>
+            </a:r>
+            <a:r>
+              <a:rPr lang="ko-KR" altLang="en-US" sz="1300" dirty="0"/>
+              <a:t>는 실제 현장에 적용할 시 거의 </a:t>
+            </a:r>
+            <a:r>
+              <a:rPr lang="en-US" altLang="ko-KR" sz="1300" dirty="0"/>
+              <a:t>0</a:t>
+            </a:r>
+            <a:r>
+              <a:rPr lang="ko-KR" altLang="en-US" sz="1300" dirty="0"/>
+              <a:t>에 가까워야 하지만</a:t>
+            </a:r>
+            <a:r>
+              <a:rPr lang="en-US" altLang="ko-KR" sz="1300" dirty="0"/>
+              <a:t>, </a:t>
+            </a:r>
+            <a:r>
+              <a:rPr lang="ko-KR" altLang="en-US" sz="1300" dirty="0"/>
+              <a:t>실제로는 </a:t>
+            </a:r>
+            <a:r>
+              <a:rPr lang="en-US" altLang="ko-KR" sz="1300" dirty="0"/>
+              <a:t>TP(True Positive)</a:t>
+            </a:r>
+            <a:r>
+              <a:rPr lang="ko-KR" altLang="en-US" sz="1300" dirty="0"/>
+              <a:t>보다 더 높은 수치를 보여</a:t>
             </a:r>
             <a:r>
               <a:rPr lang="en-US" altLang="ko-KR" sz="1300" dirty="0"/>
               <a:t> </a:t>
             </a:r>
-            <a:endParaRPr lang="ko-KR" altLang="en-US" sz="1300" dirty="0"/>
+            <a:r>
+              <a:rPr lang="ko-KR" altLang="en-US" sz="1300" dirty="0"/>
+              <a:t>큰 문제가 될 것으로 보임</a:t>
+            </a:r>
+            <a:endParaRPr lang="en-US" altLang="ko-KR" sz="1300" dirty="0"/>
+          </a:p>
+          <a:p>
+            <a:pPr>
+              <a:lnSpc>
+                <a:spcPct val="150000"/>
+              </a:lnSpc>
+            </a:pPr>
+            <a:r>
+              <a:rPr lang="en-US" altLang="ko-KR" sz="1300" dirty="0"/>
+              <a:t>-</a:t>
+            </a:r>
+            <a:r>
+              <a:rPr lang="ko-KR" altLang="en-US" sz="1300" dirty="0"/>
+              <a:t> 이를 줄이기 위해 </a:t>
+            </a:r>
+            <a:r>
+              <a:rPr lang="en-US" altLang="ko-KR" sz="1300" dirty="0"/>
+              <a:t>Thresholder</a:t>
+            </a:r>
+            <a:r>
+              <a:rPr lang="ko-KR" altLang="en-US" sz="1300" dirty="0"/>
+              <a:t>를 </a:t>
+            </a:r>
+            <a:r>
+              <a:rPr lang="en-US" altLang="ko-KR" sz="1300" dirty="0"/>
+              <a:t>50%</a:t>
+            </a:r>
+            <a:r>
+              <a:rPr lang="ko-KR" altLang="en-US" sz="1300" dirty="0"/>
+              <a:t>까지 낮추어 보았으나</a:t>
+            </a:r>
+            <a:r>
+              <a:rPr lang="en-US" altLang="ko-KR" sz="1300" dirty="0"/>
+              <a:t>, FP(False Positive)</a:t>
+            </a:r>
+            <a:r>
+              <a:rPr lang="ko-KR" altLang="en-US" sz="1300" dirty="0"/>
+              <a:t>가</a:t>
+            </a:r>
+            <a:r>
+              <a:rPr lang="en-US" altLang="ko-KR" sz="1300" dirty="0"/>
+              <a:t> </a:t>
+            </a:r>
+            <a:r>
+              <a:rPr lang="ko-KR" altLang="en-US" sz="1300" dirty="0"/>
+              <a:t>급격히 높아졌으며</a:t>
+            </a:r>
+            <a:r>
+              <a:rPr lang="en-US" altLang="ko-KR" sz="1300" dirty="0"/>
+              <a:t>, </a:t>
+            </a:r>
+            <a:r>
+              <a:rPr lang="ko-KR" altLang="en-US" sz="1300" dirty="0"/>
+              <a:t>이에 비해 </a:t>
+            </a:r>
+            <a:r>
+              <a:rPr lang="en-US" altLang="ko-KR" sz="1300" dirty="0"/>
+              <a:t>FN</a:t>
+            </a:r>
+            <a:r>
+              <a:rPr lang="ko-KR" altLang="en-US" sz="1300" dirty="0"/>
+              <a:t>의 감소는 더디게 이루어졌음</a:t>
+            </a:r>
+            <a:endParaRPr lang="en-US" altLang="ko-KR" sz="1300" dirty="0"/>
+          </a:p>
+          <a:p>
+            <a:pPr>
+              <a:lnSpc>
+                <a:spcPct val="150000"/>
+              </a:lnSpc>
+            </a:pPr>
+            <a:r>
+              <a:rPr lang="en-US" altLang="ko-KR" sz="1300" dirty="0"/>
+              <a:t>- </a:t>
+            </a:r>
+            <a:r>
+              <a:rPr lang="ko-KR" altLang="en-US" sz="1300" dirty="0"/>
+              <a:t>따라서</a:t>
+            </a:r>
+            <a:r>
+              <a:rPr lang="en-US" altLang="ko-KR" sz="1300" dirty="0"/>
+              <a:t>, </a:t>
+            </a:r>
+            <a:r>
+              <a:rPr lang="ko-KR" altLang="en-US" sz="1300" dirty="0"/>
+              <a:t>추가 학습을 위한 데이터를 더 많이 확보하여 모델 학습을 강화하거나</a:t>
+            </a:r>
+            <a:r>
+              <a:rPr lang="en-US" altLang="ko-KR" sz="1300" dirty="0"/>
+              <a:t>, </a:t>
+            </a:r>
+            <a:r>
+              <a:rPr lang="ko-KR" altLang="en-US" sz="1300" dirty="0"/>
+              <a:t>분석 모델의 구조를 변경하여 추가로 성능을 개선시킬 필요가 있음</a:t>
+            </a:r>
           </a:p>
         </p:txBody>
       </p:sp>
@@ -19958,7 +20234,7 @@
           <a:p>
             <a:fld id="{FA5C2E92-D892-429A-BEBB-62D4C9BFF0D8}" type="datetime1">
               <a:rPr lang="ko-KR" altLang="en-US" smtClean="0"/>
-              <a:t>2023-12-07</a:t>
+              <a:t>2023-12-11</a:t>
             </a:fld>
             <a:endParaRPr lang="ko-KR" altLang="en-US"/>
           </a:p>
@@ -20232,7 +20508,7 @@
           <a:p>
             <a:fld id="{FA5C2E92-D892-429A-BEBB-62D4C9BFF0D8}" type="datetime1">
               <a:rPr lang="ko-KR" altLang="en-US" smtClean="0"/>
-              <a:t>2023-12-07</a:t>
+              <a:t>2023-12-11</a:t>
             </a:fld>
             <a:endParaRPr lang="ko-KR" altLang="en-US"/>
           </a:p>
@@ -21146,7 +21422,7 @@
           <a:p>
             <a:fld id="{FA5C2E92-D892-429A-BEBB-62D4C9BFF0D8}" type="datetime1">
               <a:rPr lang="ko-KR" altLang="en-US" smtClean="0"/>
-              <a:t>2023-12-07</a:t>
+              <a:t>2023-12-11</a:t>
             </a:fld>
             <a:endParaRPr lang="ko-KR" altLang="en-US"/>
           </a:p>
@@ -21978,7 +22254,7 @@
           <a:p>
             <a:fld id="{FA5C2E92-D892-429A-BEBB-62D4C9BFF0D8}" type="datetime1">
               <a:rPr lang="ko-KR" altLang="en-US" smtClean="0"/>
-              <a:t>2023-12-07</a:t>
+              <a:t>2023-12-11</a:t>
             </a:fld>
             <a:endParaRPr lang="ko-KR" altLang="en-US"/>
           </a:p>
@@ -22761,7 +23037,7 @@
           <a:p>
             <a:fld id="{FA5C2E92-D892-429A-BEBB-62D4C9BFF0D8}" type="datetime1">
               <a:rPr lang="ko-KR" altLang="en-US" smtClean="0"/>
-              <a:t>2023-12-07</a:t>
+              <a:t>2023-12-11</a:t>
             </a:fld>
             <a:endParaRPr lang="ko-KR" altLang="en-US"/>
           </a:p>
@@ -23887,7 +24163,7 @@
           <a:p>
             <a:fld id="{FA5C2E92-D892-429A-BEBB-62D4C9BFF0D8}" type="datetime1">
               <a:rPr lang="ko-KR" altLang="en-US" smtClean="0"/>
-              <a:t>2023-12-07</a:t>
+              <a:t>2023-12-11</a:t>
             </a:fld>
             <a:endParaRPr lang="ko-KR" altLang="en-US"/>
           </a:p>
@@ -24815,7 +25091,7 @@
           <a:p>
             <a:fld id="{FA5C2E92-D892-429A-BEBB-62D4C9BFF0D8}" type="datetime1">
               <a:rPr lang="ko-KR" altLang="en-US" smtClean="0"/>
-              <a:t>2023-12-07</a:t>
+              <a:t>2023-12-11</a:t>
             </a:fld>
             <a:endParaRPr lang="ko-KR" altLang="en-US"/>
           </a:p>
@@ -26110,7 +26386,7 @@
           <a:p>
             <a:fld id="{3AA1C942-5D39-49F0-A4ED-DCAE2DD0F0D1}" type="datetime1">
               <a:rPr lang="ko-KR" altLang="en-US" smtClean="0"/>
-              <a:t>2023-12-07</a:t>
+              <a:t>2023-12-11</a:t>
             </a:fld>
             <a:endParaRPr lang="ko-KR" altLang="en-US"/>
           </a:p>
@@ -28877,7 +29153,7 @@
           <a:p>
             <a:fld id="{3AA1C942-5D39-49F0-A4ED-DCAE2DD0F0D1}" type="datetime1">
               <a:rPr lang="ko-KR" altLang="en-US" smtClean="0"/>
-              <a:t>2023-12-07</a:t>
+              <a:t>2023-12-11</a:t>
             </a:fld>
             <a:endParaRPr lang="ko-KR" altLang="en-US"/>
           </a:p>
@@ -29840,6 +30116,81 @@
               <a:latin typeface="HY헤드라인M" panose="02030600000101010101" pitchFamily="18" charset="-127"/>
               <a:ea typeface="HY헤드라인M" panose="02030600000101010101" pitchFamily="18" charset="-127"/>
             </a:endParaRPr>
+          </a:p>
+        </p:txBody>
+      </p:sp>
+      <p:pic>
+        <p:nvPicPr>
+          <p:cNvPr id="9" name="그림 8">
+            <a:extLst>
+              <a:ext uri="{FF2B5EF4-FFF2-40B4-BE49-F238E27FC236}">
+                <a16:creationId xmlns:a16="http://schemas.microsoft.com/office/drawing/2014/main" id="{DD2B4338-BFA3-943B-1229-B7BDE03F358E}"/>
+              </a:ext>
+            </a:extLst>
+          </p:cNvPr>
+          <p:cNvPicPr>
+            <a:picLocks noChangeAspect="1"/>
+          </p:cNvPicPr>
+          <p:nvPr/>
+        </p:nvPicPr>
+        <p:blipFill>
+          <a:blip r:embed="rId2"/>
+          <a:stretch>
+            <a:fillRect/>
+          </a:stretch>
+        </p:blipFill>
+        <p:spPr>
+          <a:xfrm>
+            <a:off x="5600355" y="733969"/>
+            <a:ext cx="2669591" cy="1093418"/>
+          </a:xfrm>
+          <a:prstGeom prst="rect">
+            <a:avLst/>
+          </a:prstGeom>
+        </p:spPr>
+      </p:pic>
+      <p:sp>
+        <p:nvSpPr>
+          <p:cNvPr id="10" name="TextBox 9">
+            <a:extLst>
+              <a:ext uri="{FF2B5EF4-FFF2-40B4-BE49-F238E27FC236}">
+                <a16:creationId xmlns:a16="http://schemas.microsoft.com/office/drawing/2014/main" id="{F61FF5D7-0C04-09E7-27C6-9F33E1FD1DA4}"/>
+              </a:ext>
+            </a:extLst>
+          </p:cNvPr>
+          <p:cNvSpPr txBox="1"/>
+          <p:nvPr/>
+        </p:nvSpPr>
+        <p:spPr>
+          <a:xfrm>
+            <a:off x="5785575" y="1819185"/>
+            <a:ext cx="2296229" cy="246221"/>
+          </a:xfrm>
+          <a:prstGeom prst="rect">
+            <a:avLst/>
+          </a:prstGeom>
+          <a:noFill/>
+        </p:spPr>
+        <p:txBody>
+          <a:bodyPr wrap="square" rtlCol="0">
+            <a:spAutoFit/>
+          </a:bodyPr>
+          <a:lstStyle/>
+          <a:p>
+            <a:pPr algn="ctr"/>
+            <a:r>
+              <a:rPr lang="en-US" altLang="ko-KR" sz="1000" b="1" dirty="0"/>
+              <a:t>[</a:t>
+            </a:r>
+            <a:r>
+              <a:rPr lang="ko-KR" altLang="en-US" sz="1000" b="1" dirty="0"/>
+              <a:t>전해 탈지 공정</a:t>
+            </a:r>
+            <a:r>
+              <a:rPr lang="en-US" altLang="ko-KR" sz="1000" b="1" dirty="0"/>
+              <a:t>]</a:t>
+            </a:r>
+            <a:endParaRPr lang="ko-KR" altLang="en-US" sz="1000" b="1" dirty="0"/>
           </a:p>
         </p:txBody>
       </p:sp>
@@ -30002,7 +30353,7 @@
           <a:p>
             <a:fld id="{3AA1C942-5D39-49F0-A4ED-DCAE2DD0F0D1}" type="datetime1">
               <a:rPr lang="ko-KR" altLang="en-US" smtClean="0"/>
-              <a:t>2023-12-07</a:t>
+              <a:t>2023-12-11</a:t>
             </a:fld>
             <a:endParaRPr lang="ko-KR" altLang="en-US"/>
           </a:p>
@@ -31305,7 +31656,7 @@
           <a:p>
             <a:fld id="{3AA1C942-5D39-49F0-A4ED-DCAE2DD0F0D1}" type="datetime1">
               <a:rPr lang="ko-KR" altLang="en-US" smtClean="0"/>
-              <a:t>2023-12-07</a:t>
+              <a:t>2023-12-11</a:t>
             </a:fld>
             <a:endParaRPr lang="ko-KR" altLang="en-US"/>
           </a:p>
@@ -31890,7 +32241,7 @@
           <a:p>
             <a:fld id="{3AA1C942-5D39-49F0-A4ED-DCAE2DD0F0D1}" type="datetime1">
               <a:rPr lang="ko-KR" altLang="en-US" smtClean="0"/>
-              <a:t>2023-12-07</a:t>
+              <a:t>2023-12-11</a:t>
             </a:fld>
             <a:endParaRPr lang="ko-KR" altLang="en-US"/>
           </a:p>
@@ -32749,7 +33100,7 @@
           <a:p>
             <a:fld id="{3AA1C942-5D39-49F0-A4ED-DCAE2DD0F0D1}" type="datetime1">
               <a:rPr lang="ko-KR" altLang="en-US" smtClean="0"/>
-              <a:t>2023-12-07</a:t>
+              <a:t>2023-12-11</a:t>
             </a:fld>
             <a:endParaRPr lang="ko-KR" altLang="en-US"/>
           </a:p>
@@ -33092,8 +33443,8 @@
         </p:nvSpPr>
         <p:spPr>
           <a:xfrm>
-            <a:off x="5734579" y="4983061"/>
-            <a:ext cx="1661365" cy="261610"/>
+            <a:off x="5552772" y="4956326"/>
+            <a:ext cx="1661365" cy="246221"/>
           </a:xfrm>
           <a:prstGeom prst="rect">
             <a:avLst/>
@@ -33106,19 +33457,20 @@
           </a:bodyPr>
           <a:lstStyle/>
           <a:p>
-            <a:r>
-              <a:rPr lang="en-US" altLang="ko-KR" sz="1100" b="1" dirty="0"/>
+            <a:pPr algn="ctr"/>
+            <a:r>
+              <a:rPr lang="en-US" altLang="ko-KR" sz="1000" b="1" dirty="0"/>
               <a:t>[</a:t>
             </a:r>
             <a:r>
-              <a:rPr lang="ko-KR" altLang="en-US" sz="1100" b="1" dirty="0"/>
+              <a:rPr lang="ko-KR" altLang="en-US" sz="1000" b="1" dirty="0"/>
               <a:t>데이터별 히스토그램</a:t>
             </a:r>
             <a:r>
-              <a:rPr lang="en-US" altLang="ko-KR" sz="1100" b="1" dirty="0"/>
+              <a:rPr lang="en-US" altLang="ko-KR" sz="1000" b="1" dirty="0"/>
               <a:t>]</a:t>
             </a:r>
-            <a:endParaRPr lang="ko-KR" altLang="en-US" sz="1100" b="1" dirty="0"/>
+            <a:endParaRPr lang="ko-KR" altLang="en-US" sz="1000" b="1" dirty="0"/>
           </a:p>
         </p:txBody>
       </p:sp>
@@ -33136,8 +33488,8 @@
         </p:nvSpPr>
         <p:spPr>
           <a:xfrm>
-            <a:off x="1380950" y="4974672"/>
-            <a:ext cx="2296229" cy="261610"/>
+            <a:off x="1199143" y="4947937"/>
+            <a:ext cx="2296229" cy="246221"/>
           </a:xfrm>
           <a:prstGeom prst="rect">
             <a:avLst/>
@@ -33150,19 +33502,20 @@
           </a:bodyPr>
           <a:lstStyle/>
           <a:p>
-            <a:r>
-              <a:rPr lang="en-US" altLang="ko-KR" sz="1100" b="1" dirty="0"/>
+            <a:pPr algn="ctr"/>
+            <a:r>
+              <a:rPr lang="en-US" altLang="ko-KR" sz="1000" b="1" dirty="0"/>
               <a:t>[</a:t>
             </a:r>
             <a:r>
-              <a:rPr lang="ko-KR" altLang="en-US" sz="1100" b="1" dirty="0"/>
+              <a:rPr lang="ko-KR" altLang="en-US" sz="1000" b="1" dirty="0"/>
               <a:t>데이터별 통계자료</a:t>
             </a:r>
             <a:r>
-              <a:rPr lang="en-US" altLang="ko-KR" sz="1100" b="1" dirty="0"/>
+              <a:rPr lang="en-US" altLang="ko-KR" sz="1000" b="1" dirty="0"/>
               <a:t>(Describe)]</a:t>
             </a:r>
-            <a:endParaRPr lang="ko-KR" altLang="en-US" sz="1100" b="1" dirty="0"/>
+            <a:endParaRPr lang="ko-KR" altLang="en-US" sz="1000" b="1" dirty="0"/>
           </a:p>
         </p:txBody>
       </p:sp>
@@ -33442,7 +33795,7 @@
           <a:p>
             <a:fld id="{3AA1C942-5D39-49F0-A4ED-DCAE2DD0F0D1}" type="datetime1">
               <a:rPr lang="ko-KR" altLang="en-US" smtClean="0"/>
-              <a:t>2023-12-07</a:t>
+              <a:t>2023-12-11</a:t>
             </a:fld>
             <a:endParaRPr lang="ko-KR" altLang="en-US"/>
           </a:p>

--- a/2. 1학년2학기/2. 산업빅데이터 분석 실제/과제/기말_과제_발표자료.pptx
+++ b/2. 1학년2학기/2. 산업빅데이터 분석 실제/과제/기말_과제_발표자료.pptx
@@ -26653,7 +26653,7 @@
           <p:nvPr>
             <p:extLst>
               <p:ext uri="{D42A27DB-BD31-4B8C-83A1-F6EECF244321}">
-                <p14:modId xmlns:p14="http://schemas.microsoft.com/office/powerpoint/2010/main" val="3123889607"/>
+                <p14:modId xmlns:p14="http://schemas.microsoft.com/office/powerpoint/2010/main" val="1201815689"/>
               </p:ext>
             </p:extLst>
           </p:nvPr>
@@ -27963,7 +27963,7 @@
                           <a:ea typeface="휴먼명조" panose="02010504000101010101" pitchFamily="2" charset="-127"/>
                           <a:cs typeface="+mn-cs"/>
                         </a:rPr>
-                        <a:t>오류발생시 </a:t>
+                        <a:t>불량발생시 </a:t>
                       </a:r>
                       <a:r>
                         <a:rPr lang="en-US" altLang="ko-KR" sz="1400" kern="1200" dirty="0">
@@ -28611,7 +28611,7 @@
                           <a:ea typeface="휴먼명조" panose="02010504000101010101" pitchFamily="2" charset="-127"/>
                           <a:cs typeface="+mn-cs"/>
                         </a:rPr>
-                        <a:t>: Logistic Regression, Random Forest, SVM</a:t>
+                        <a:t>: Logistic Regression, Decision Tree, Random Forest, SVM</a:t>
                       </a:r>
                       <a:br>
                         <a:rPr kumimoji="0" lang="en-US" altLang="ko-KR" sz="1400" b="0" i="0" u="none" strike="noStrike" kern="1200" cap="none" spc="0" normalizeH="0" baseline="0" noProof="0" dirty="0">
